--- a/스크립트 언어 중간.pptx
+++ b/스크립트 언어 중간.pptx
@@ -1,6 +1,6 @@
 
 <file path=ppt/presentation.xml><?xml version="1.0" encoding="utf-8"?>
-<p:presentation xmlns:a="http://schemas.openxmlformats.org/drawingml/2006/main" xmlns:r="http://schemas.openxmlformats.org/officeDocument/2006/relationships" xmlns:p="http://schemas.openxmlformats.org/presentationml/2006/main" saveSubsetFonts="1">
+<p:presentation xmlns:a="http://schemas.openxmlformats.org/drawingml/2006/main" xmlns:r="http://schemas.openxmlformats.org/officeDocument/2006/relationships" xmlns:p="http://schemas.openxmlformats.org/presentationml/2006/main" embedTrueTypeFonts="1" saveSubsetFonts="1">
   <p:sldMasterIdLst>
     <p:sldMasterId id="2147483648" r:id="rId1"/>
   </p:sldMasterIdLst>
@@ -14,6 +14,33 @@
   </p:sldIdLst>
   <p:sldSz cx="12192000" cy="6858000"/>
   <p:notesSz cx="6858000" cy="9144000"/>
+  <p:embeddedFontLst>
+    <p:embeddedFont>
+      <p:font typeface="a바람개비" panose="02020600000000000000" pitchFamily="18" charset="-127"/>
+      <p:regular r:id="rId8"/>
+    </p:embeddedFont>
+    <p:embeddedFont>
+      <p:font typeface="a시월구일3" panose="02020600000000000000" pitchFamily="18" charset="-127"/>
+      <p:regular r:id="rId9"/>
+    </p:embeddedFont>
+    <p:embeddedFont>
+      <p:font typeface="a시월구일4" panose="02020600000000000000" pitchFamily="18" charset="-127"/>
+      <p:regular r:id="rId10"/>
+    </p:embeddedFont>
+    <p:embeddedFont>
+      <p:font typeface="a옛날사진관4" panose="02020600000000000000" pitchFamily="18" charset="-127"/>
+      <p:regular r:id="rId11"/>
+    </p:embeddedFont>
+    <p:embeddedFont>
+      <p:font typeface="a옛날사진관5" panose="02020600000000000000" pitchFamily="18" charset="-127"/>
+      <p:regular r:id="rId12"/>
+    </p:embeddedFont>
+    <p:embeddedFont>
+      <p:font typeface="맑은 고딕" panose="020B0503020000020004" pitchFamily="50" charset="-127"/>
+      <p:regular r:id="rId13"/>
+      <p:bold r:id="rId14"/>
+    </p:embeddedFont>
+  </p:embeddedFontLst>
   <p:defaultTextStyle>
     <a:defPPr>
       <a:defRPr lang="ko-KR"/>
@@ -264,7 +291,7 @@
           <a:p>
             <a:fld id="{6A0DFA32-7B91-48A1-A37A-12B25486CA43}" type="datetimeFigureOut">
               <a:rPr lang="ko-KR" altLang="en-US" smtClean="0"/>
-              <a:t>2020-06-09</a:t>
+              <a:t>2020-06-24</a:t>
             </a:fld>
             <a:endParaRPr lang="ko-KR" altLang="en-US"/>
           </a:p>
@@ -462,7 +489,7 @@
           <a:p>
             <a:fld id="{6A0DFA32-7B91-48A1-A37A-12B25486CA43}" type="datetimeFigureOut">
               <a:rPr lang="ko-KR" altLang="en-US" smtClean="0"/>
-              <a:t>2020-06-09</a:t>
+              <a:t>2020-06-24</a:t>
             </a:fld>
             <a:endParaRPr lang="ko-KR" altLang="en-US"/>
           </a:p>
@@ -670,7 +697,7 @@
           <a:p>
             <a:fld id="{6A0DFA32-7B91-48A1-A37A-12B25486CA43}" type="datetimeFigureOut">
               <a:rPr lang="ko-KR" altLang="en-US" smtClean="0"/>
-              <a:t>2020-06-09</a:t>
+              <a:t>2020-06-24</a:t>
             </a:fld>
             <a:endParaRPr lang="ko-KR" altLang="en-US"/>
           </a:p>
@@ -868,7 +895,7 @@
           <a:p>
             <a:fld id="{6A0DFA32-7B91-48A1-A37A-12B25486CA43}" type="datetimeFigureOut">
               <a:rPr lang="ko-KR" altLang="en-US" smtClean="0"/>
-              <a:t>2020-06-09</a:t>
+              <a:t>2020-06-24</a:t>
             </a:fld>
             <a:endParaRPr lang="ko-KR" altLang="en-US"/>
           </a:p>
@@ -1143,7 +1170,7 @@
           <a:p>
             <a:fld id="{6A0DFA32-7B91-48A1-A37A-12B25486CA43}" type="datetimeFigureOut">
               <a:rPr lang="ko-KR" altLang="en-US" smtClean="0"/>
-              <a:t>2020-06-09</a:t>
+              <a:t>2020-06-24</a:t>
             </a:fld>
             <a:endParaRPr lang="ko-KR" altLang="en-US"/>
           </a:p>
@@ -1408,7 +1435,7 @@
           <a:p>
             <a:fld id="{6A0DFA32-7B91-48A1-A37A-12B25486CA43}" type="datetimeFigureOut">
               <a:rPr lang="ko-KR" altLang="en-US" smtClean="0"/>
-              <a:t>2020-06-09</a:t>
+              <a:t>2020-06-24</a:t>
             </a:fld>
             <a:endParaRPr lang="ko-KR" altLang="en-US"/>
           </a:p>
@@ -1820,7 +1847,7 @@
           <a:p>
             <a:fld id="{6A0DFA32-7B91-48A1-A37A-12B25486CA43}" type="datetimeFigureOut">
               <a:rPr lang="ko-KR" altLang="en-US" smtClean="0"/>
-              <a:t>2020-06-09</a:t>
+              <a:t>2020-06-24</a:t>
             </a:fld>
             <a:endParaRPr lang="ko-KR" altLang="en-US"/>
           </a:p>
@@ -1961,7 +1988,7 @@
           <a:p>
             <a:fld id="{6A0DFA32-7B91-48A1-A37A-12B25486CA43}" type="datetimeFigureOut">
               <a:rPr lang="ko-KR" altLang="en-US" smtClean="0"/>
-              <a:t>2020-06-09</a:t>
+              <a:t>2020-06-24</a:t>
             </a:fld>
             <a:endParaRPr lang="ko-KR" altLang="en-US"/>
           </a:p>
@@ -2074,7 +2101,7 @@
           <a:p>
             <a:fld id="{6A0DFA32-7B91-48A1-A37A-12B25486CA43}" type="datetimeFigureOut">
               <a:rPr lang="ko-KR" altLang="en-US" smtClean="0"/>
-              <a:t>2020-06-09</a:t>
+              <a:t>2020-06-24</a:t>
             </a:fld>
             <a:endParaRPr lang="ko-KR" altLang="en-US"/>
           </a:p>
@@ -2385,7 +2412,7 @@
           <a:p>
             <a:fld id="{6A0DFA32-7B91-48A1-A37A-12B25486CA43}" type="datetimeFigureOut">
               <a:rPr lang="ko-KR" altLang="en-US" smtClean="0"/>
-              <a:t>2020-06-09</a:t>
+              <a:t>2020-06-24</a:t>
             </a:fld>
             <a:endParaRPr lang="ko-KR" altLang="en-US"/>
           </a:p>
@@ -2673,7 +2700,7 @@
           <a:p>
             <a:fld id="{6A0DFA32-7B91-48A1-A37A-12B25486CA43}" type="datetimeFigureOut">
               <a:rPr lang="ko-KR" altLang="en-US" smtClean="0"/>
-              <a:t>2020-06-09</a:t>
+              <a:t>2020-06-24</a:t>
             </a:fld>
             <a:endParaRPr lang="ko-KR" altLang="en-US"/>
           </a:p>
@@ -2914,7 +2941,7 @@
           <a:p>
             <a:fld id="{6A0DFA32-7B91-48A1-A37A-12B25486CA43}" type="datetimeFigureOut">
               <a:rPr lang="ko-KR" altLang="en-US" smtClean="0"/>
-              <a:t>2020-06-09</a:t>
+              <a:t>2020-06-24</a:t>
             </a:fld>
             <a:endParaRPr lang="ko-KR" altLang="en-US"/>
           </a:p>
